--- a/document/Slide/03 WebCourse - HTML Can ban.pptx
+++ b/document/Slide/03 WebCourse - HTML Can ban.pptx
@@ -282,7 +282,8 @@
           <a:p>
             <a:fld id="{D35168AA-6245-4B1A-B0D6-CC8380C67C12}" type="datetimeFigureOut">
               <a:rPr lang="en-US" smtClean="0"/>
-              <a:t>6/13/2012</a:t>
+              <a:pPr/>
+              <a:t>6/20/2012</a:t>
             </a:fld>
             <a:endParaRPr lang="en-US"/>
           </a:p>
@@ -348,6 +349,7 @@
           <a:p>
             <a:fld id="{2D554417-B2C8-4EC8-96F2-03D72878E12C}" type="slidenum">
               <a:rPr lang="en-US" smtClean="0"/>
+              <a:pPr/>
               <a:t>‹#›</a:t>
             </a:fld>
             <a:endParaRPr lang="en-US"/>
@@ -357,7 +359,7 @@
     </p:spTree>
     <p:extLst>
       <p:ext uri="{BB962C8B-B14F-4D97-AF65-F5344CB8AC3E}">
-        <p14:creationId xmlns:p14="http://schemas.microsoft.com/office/powerpoint/2010/main" val="552652905"/>
+        <p14:creationId xmlns:p14="http://schemas.microsoft.com/office/powerpoint/2010/main" xmlns="" val="552652905"/>
       </p:ext>
     </p:extLst>
   </p:cSld>
@@ -744,7 +746,7 @@
     </p:spTree>
     <p:extLst>
       <p:ext uri="{BB962C8B-B14F-4D97-AF65-F5344CB8AC3E}">
-        <p14:creationId xmlns:p14="http://schemas.microsoft.com/office/powerpoint/2010/main" val="3753900883"/>
+        <p14:creationId xmlns:p14="http://schemas.microsoft.com/office/powerpoint/2010/main" xmlns="" val="3753900883"/>
       </p:ext>
     </p:extLst>
   </p:cSld>
@@ -11962,82 +11964,9 @@
         </p:xfrm>
         <a:graphic>
           <a:graphicData uri="http://schemas.openxmlformats.org/presentationml/2006/ole">
-            <mc:AlternateContent xmlns:mc="http://schemas.openxmlformats.org/markup-compatibility/2006">
-              <mc:Choice xmlns:v="urn:schemas-microsoft-com:vml" Requires="v">
-                <p:oleObj spid="_x0000_s3075" name="Clip" r:id="rId3" imgW="1401480" imgH="1845000" progId="">
-                  <p:embed/>
-                </p:oleObj>
-              </mc:Choice>
-              <mc:Fallback>
-                <p:oleObj name="Clip" r:id="rId3" imgW="1401480" imgH="1845000" progId="">
-                  <p:embed/>
-                  <p:pic>
-                    <p:nvPicPr>
-                      <p:cNvPr id="0" name="Picture 2"/>
-                      <p:cNvPicPr>
-                        <a:picLocks noChangeAspect="1" noChangeArrowheads="1"/>
-                      </p:cNvPicPr>
-                      <p:nvPr/>
-                    </p:nvPicPr>
-                    <p:blipFill>
-                      <a:blip r:embed="rId4">
-                        <a:extLst>
-                          <a:ext uri="{28A0092B-C50C-407E-A947-70E740481C1C}">
-                            <a14:useLocalDpi xmlns:a14="http://schemas.microsoft.com/office/drawing/2010/main" val="0"/>
-                          </a:ext>
-                        </a:extLst>
-                      </a:blip>
-                      <a:srcRect/>
-                      <a:stretch>
-                        <a:fillRect/>
-                      </a:stretch>
-                    </p:blipFill>
-                    <p:spPr bwMode="auto">
-                      <a:xfrm>
-                        <a:off x="5529263" y="2898775"/>
-                        <a:ext cx="1401762" cy="1844675"/>
-                      </a:xfrm>
-                      <a:prstGeom prst="rect">
-                        <a:avLst/>
-                      </a:prstGeom>
-                      <a:noFill/>
-                      <a:ln>
-                        <a:noFill/>
-                      </a:ln>
-                      <a:effectLst/>
-                      <a:extLst>
-                        <a:ext uri="{909E8E84-426E-40DD-AFC4-6F175D3DCCD1}">
-                          <a14:hiddenFill xmlns:a14="http://schemas.microsoft.com/office/drawing/2010/main">
-                            <a:solidFill>
-                              <a:schemeClr val="accent1"/>
-                            </a:solidFill>
-                          </a14:hiddenFill>
-                        </a:ext>
-                        <a:ext uri="{91240B29-F687-4F45-9708-019B960494DF}">
-                          <a14:hiddenLine xmlns:a14="http://schemas.microsoft.com/office/drawing/2010/main" w="9525">
-                            <a:solidFill>
-                              <a:schemeClr val="tx1"/>
-                            </a:solidFill>
-                            <a:miter lim="800000"/>
-                            <a:headEnd/>
-                            <a:tailEnd/>
-                          </a14:hiddenLine>
-                        </a:ext>
-                        <a:ext uri="{AF507438-7753-43E0-B8FC-AC1667EBCBE1}">
-                          <a14:hiddenEffects xmlns:a14="http://schemas.microsoft.com/office/drawing/2010/main">
-                            <a:effectLst>
-                              <a:outerShdw dist="35921" dir="2700000" algn="ctr" rotWithShape="0">
-                                <a:schemeClr val="bg2"/>
-                              </a:outerShdw>
-                            </a:effectLst>
-                          </a14:hiddenEffects>
-                        </a:ext>
-                      </a:extLst>
-                    </p:spPr>
-                  </p:pic>
-                </p:oleObj>
-              </mc:Fallback>
-            </mc:AlternateContent>
+            <p:oleObj spid="_x0000_s3075" name="Clip" r:id="rId3" imgW="1401775" imgH="1845259" progId="">
+              <p:embed/>
+            </p:oleObj>
           </a:graphicData>
         </a:graphic>
       </p:graphicFrame>
@@ -22509,82 +22438,9 @@
         </p:xfrm>
         <a:graphic>
           <a:graphicData uri="http://schemas.openxmlformats.org/presentationml/2006/ole">
-            <mc:AlternateContent xmlns:mc="http://schemas.openxmlformats.org/markup-compatibility/2006">
-              <mc:Choice xmlns:v="urn:schemas-microsoft-com:vml" Requires="v">
-                <p:oleObj spid="_x0000_s45059" name="Bitmap Image" r:id="rId3" imgW="1809524" imgH="2467319" progId="PBrush">
-                  <p:embed/>
-                </p:oleObj>
-              </mc:Choice>
-              <mc:Fallback>
-                <p:oleObj name="Bitmap Image" r:id="rId3" imgW="1809524" imgH="2467319" progId="PBrush">
-                  <p:embed/>
-                  <p:pic>
-                    <p:nvPicPr>
-                      <p:cNvPr id="0" name="Picture 2"/>
-                      <p:cNvPicPr>
-                        <a:picLocks noChangeAspect="1" noChangeArrowheads="1"/>
-                      </p:cNvPicPr>
-                      <p:nvPr/>
-                    </p:nvPicPr>
-                    <p:blipFill>
-                      <a:blip r:embed="rId4">
-                        <a:extLst>
-                          <a:ext uri="{28A0092B-C50C-407E-A947-70E740481C1C}">
-                            <a14:useLocalDpi xmlns:a14="http://schemas.microsoft.com/office/drawing/2010/main" val="0"/>
-                          </a:ext>
-                        </a:extLst>
-                      </a:blip>
-                      <a:srcRect/>
-                      <a:stretch>
-                        <a:fillRect/>
-                      </a:stretch>
-                    </p:blipFill>
-                    <p:spPr bwMode="auto">
-                      <a:xfrm>
-                        <a:off x="381000" y="1295400"/>
-                        <a:ext cx="3744913" cy="5105400"/>
-                      </a:xfrm>
-                      <a:prstGeom prst="rect">
-                        <a:avLst/>
-                      </a:prstGeom>
-                      <a:noFill/>
-                      <a:ln>
-                        <a:noFill/>
-                      </a:ln>
-                      <a:effectLst/>
-                      <a:extLst>
-                        <a:ext uri="{909E8E84-426E-40DD-AFC4-6F175D3DCCD1}">
-                          <a14:hiddenFill xmlns:a14="http://schemas.microsoft.com/office/drawing/2010/main">
-                            <a:solidFill>
-                              <a:schemeClr val="accent1"/>
-                            </a:solidFill>
-                          </a14:hiddenFill>
-                        </a:ext>
-                        <a:ext uri="{91240B29-F687-4F45-9708-019B960494DF}">
-                          <a14:hiddenLine xmlns:a14="http://schemas.microsoft.com/office/drawing/2010/main" w="9525">
-                            <a:solidFill>
-                              <a:schemeClr val="tx1"/>
-                            </a:solidFill>
-                            <a:miter lim="800000"/>
-                            <a:headEnd/>
-                            <a:tailEnd/>
-                          </a14:hiddenLine>
-                        </a:ext>
-                        <a:ext uri="{AF507438-7753-43E0-B8FC-AC1667EBCBE1}">
-                          <a14:hiddenEffects xmlns:a14="http://schemas.microsoft.com/office/drawing/2010/main">
-                            <a:effectLst>
-                              <a:outerShdw dist="35921" dir="2700000" algn="ctr" rotWithShape="0">
-                                <a:schemeClr val="bg2"/>
-                              </a:outerShdw>
-                            </a:effectLst>
-                          </a14:hiddenEffects>
-                        </a:ext>
-                      </a:extLst>
-                    </p:spPr>
-                  </p:pic>
-                </p:oleObj>
-              </mc:Fallback>
-            </mc:AlternateContent>
+            <p:oleObj spid="_x0000_s45059" name="Bitmap Image" r:id="rId3" imgW="1809524" imgH="2467319" progId="PBrush">
+              <p:embed/>
+            </p:oleObj>
           </a:graphicData>
         </a:graphic>
       </p:graphicFrame>
@@ -23283,82 +23139,9 @@
         </p:xfrm>
         <a:graphic>
           <a:graphicData uri="http://schemas.openxmlformats.org/presentationml/2006/ole">
-            <mc:AlternateContent xmlns:mc="http://schemas.openxmlformats.org/markup-compatibility/2006">
-              <mc:Choice xmlns:v="urn:schemas-microsoft-com:vml" Requires="v">
-                <p:oleObj spid="_x0000_s46083" name="Bitmap Image" r:id="rId3" imgW="1809524" imgH="2467319" progId="PBrush">
-                  <p:embed/>
-                </p:oleObj>
-              </mc:Choice>
-              <mc:Fallback>
-                <p:oleObj name="Bitmap Image" r:id="rId3" imgW="1809524" imgH="2467319" progId="PBrush">
-                  <p:embed/>
-                  <p:pic>
-                    <p:nvPicPr>
-                      <p:cNvPr id="0" name="Picture 2"/>
-                      <p:cNvPicPr>
-                        <a:picLocks noChangeAspect="1" noChangeArrowheads="1"/>
-                      </p:cNvPicPr>
-                      <p:nvPr/>
-                    </p:nvPicPr>
-                    <p:blipFill>
-                      <a:blip r:embed="rId4">
-                        <a:extLst>
-                          <a:ext uri="{28A0092B-C50C-407E-A947-70E740481C1C}">
-                            <a14:useLocalDpi xmlns:a14="http://schemas.microsoft.com/office/drawing/2010/main" val="0"/>
-                          </a:ext>
-                        </a:extLst>
-                      </a:blip>
-                      <a:srcRect/>
-                      <a:stretch>
-                        <a:fillRect/>
-                      </a:stretch>
-                    </p:blipFill>
-                    <p:spPr bwMode="auto">
-                      <a:xfrm>
-                        <a:off x="76200" y="1295400"/>
-                        <a:ext cx="3744913" cy="5105400"/>
-                      </a:xfrm>
-                      <a:prstGeom prst="rect">
-                        <a:avLst/>
-                      </a:prstGeom>
-                      <a:noFill/>
-                      <a:ln>
-                        <a:noFill/>
-                      </a:ln>
-                      <a:effectLst/>
-                      <a:extLst>
-                        <a:ext uri="{909E8E84-426E-40DD-AFC4-6F175D3DCCD1}">
-                          <a14:hiddenFill xmlns:a14="http://schemas.microsoft.com/office/drawing/2010/main">
-                            <a:solidFill>
-                              <a:schemeClr val="accent1"/>
-                            </a:solidFill>
-                          </a14:hiddenFill>
-                        </a:ext>
-                        <a:ext uri="{91240B29-F687-4F45-9708-019B960494DF}">
-                          <a14:hiddenLine xmlns:a14="http://schemas.microsoft.com/office/drawing/2010/main" w="9525">
-                            <a:solidFill>
-                              <a:schemeClr val="tx1"/>
-                            </a:solidFill>
-                            <a:miter lim="800000"/>
-                            <a:headEnd/>
-                            <a:tailEnd/>
-                          </a14:hiddenLine>
-                        </a:ext>
-                        <a:ext uri="{AF507438-7753-43E0-B8FC-AC1667EBCBE1}">
-                          <a14:hiddenEffects xmlns:a14="http://schemas.microsoft.com/office/drawing/2010/main">
-                            <a:effectLst>
-                              <a:outerShdw dist="35921" dir="2700000" algn="ctr" rotWithShape="0">
-                                <a:schemeClr val="bg2"/>
-                              </a:outerShdw>
-                            </a:effectLst>
-                          </a14:hiddenEffects>
-                        </a:ext>
-                      </a:extLst>
-                    </p:spPr>
-                  </p:pic>
-                </p:oleObj>
-              </mc:Fallback>
-            </mc:AlternateContent>
+            <p:oleObj spid="_x0000_s46083" name="Bitmap Image" r:id="rId3" imgW="1809524" imgH="2467319" progId="PBrush">
+              <p:embed/>
+            </p:oleObj>
           </a:graphicData>
         </a:graphic>
       </p:graphicFrame>
@@ -24082,82 +23865,9 @@
         </p:xfrm>
         <a:graphic>
           <a:graphicData uri="http://schemas.openxmlformats.org/presentationml/2006/ole">
-            <mc:AlternateContent xmlns:mc="http://schemas.openxmlformats.org/markup-compatibility/2006">
-              <mc:Choice xmlns:v="urn:schemas-microsoft-com:vml" Requires="v">
-                <p:oleObj spid="_x0000_s47107" name="Bitmap Image" r:id="rId3" imgW="1809524" imgH="2467319" progId="PBrush">
-                  <p:embed/>
-                </p:oleObj>
-              </mc:Choice>
-              <mc:Fallback>
-                <p:oleObj name="Bitmap Image" r:id="rId3" imgW="1809524" imgH="2467319" progId="PBrush">
-                  <p:embed/>
-                  <p:pic>
-                    <p:nvPicPr>
-                      <p:cNvPr id="0" name="Picture 2"/>
-                      <p:cNvPicPr>
-                        <a:picLocks noChangeAspect="1" noChangeArrowheads="1"/>
-                      </p:cNvPicPr>
-                      <p:nvPr/>
-                    </p:nvPicPr>
-                    <p:blipFill>
-                      <a:blip r:embed="rId4">
-                        <a:extLst>
-                          <a:ext uri="{28A0092B-C50C-407E-A947-70E740481C1C}">
-                            <a14:useLocalDpi xmlns:a14="http://schemas.microsoft.com/office/drawing/2010/main" val="0"/>
-                          </a:ext>
-                        </a:extLst>
-                      </a:blip>
-                      <a:srcRect/>
-                      <a:stretch>
-                        <a:fillRect/>
-                      </a:stretch>
-                    </p:blipFill>
-                    <p:spPr bwMode="auto">
-                      <a:xfrm>
-                        <a:off x="76200" y="1295400"/>
-                        <a:ext cx="3744913" cy="5105400"/>
-                      </a:xfrm>
-                      <a:prstGeom prst="rect">
-                        <a:avLst/>
-                      </a:prstGeom>
-                      <a:noFill/>
-                      <a:ln>
-                        <a:noFill/>
-                      </a:ln>
-                      <a:effectLst/>
-                      <a:extLst>
-                        <a:ext uri="{909E8E84-426E-40DD-AFC4-6F175D3DCCD1}">
-                          <a14:hiddenFill xmlns:a14="http://schemas.microsoft.com/office/drawing/2010/main">
-                            <a:solidFill>
-                              <a:schemeClr val="accent1"/>
-                            </a:solidFill>
-                          </a14:hiddenFill>
-                        </a:ext>
-                        <a:ext uri="{91240B29-F687-4F45-9708-019B960494DF}">
-                          <a14:hiddenLine xmlns:a14="http://schemas.microsoft.com/office/drawing/2010/main" w="9525">
-                            <a:solidFill>
-                              <a:schemeClr val="tx1"/>
-                            </a:solidFill>
-                            <a:miter lim="800000"/>
-                            <a:headEnd/>
-                            <a:tailEnd/>
-                          </a14:hiddenLine>
-                        </a:ext>
-                        <a:ext uri="{AF507438-7753-43E0-B8FC-AC1667EBCBE1}">
-                          <a14:hiddenEffects xmlns:a14="http://schemas.microsoft.com/office/drawing/2010/main">
-                            <a:effectLst>
-                              <a:outerShdw dist="35921" dir="2700000" algn="ctr" rotWithShape="0">
-                                <a:schemeClr val="bg2"/>
-                              </a:outerShdw>
-                            </a:effectLst>
-                          </a14:hiddenEffects>
-                        </a:ext>
-                      </a:extLst>
-                    </p:spPr>
-                  </p:pic>
-                </p:oleObj>
-              </mc:Fallback>
-            </mc:AlternateContent>
+            <p:oleObj spid="_x0000_s47107" name="Bitmap Image" r:id="rId3" imgW="1809524" imgH="2467319" progId="PBrush">
+              <p:embed/>
+            </p:oleObj>
           </a:graphicData>
         </a:graphic>
       </p:graphicFrame>
@@ -24881,82 +24591,9 @@
         </p:xfrm>
         <a:graphic>
           <a:graphicData uri="http://schemas.openxmlformats.org/presentationml/2006/ole">
-            <mc:AlternateContent xmlns:mc="http://schemas.openxmlformats.org/markup-compatibility/2006">
-              <mc:Choice xmlns:v="urn:schemas-microsoft-com:vml" Requires="v">
-                <p:oleObj spid="_x0000_s48131" name="Bitmap Image" r:id="rId3" imgW="1809524" imgH="2467319" progId="PBrush">
-                  <p:embed/>
-                </p:oleObj>
-              </mc:Choice>
-              <mc:Fallback>
-                <p:oleObj name="Bitmap Image" r:id="rId3" imgW="1809524" imgH="2467319" progId="PBrush">
-                  <p:embed/>
-                  <p:pic>
-                    <p:nvPicPr>
-                      <p:cNvPr id="0" name="Picture 2"/>
-                      <p:cNvPicPr>
-                        <a:picLocks noChangeAspect="1" noChangeArrowheads="1"/>
-                      </p:cNvPicPr>
-                      <p:nvPr/>
-                    </p:nvPicPr>
-                    <p:blipFill>
-                      <a:blip r:embed="rId4">
-                        <a:extLst>
-                          <a:ext uri="{28A0092B-C50C-407E-A947-70E740481C1C}">
-                            <a14:useLocalDpi xmlns:a14="http://schemas.microsoft.com/office/drawing/2010/main" val="0"/>
-                          </a:ext>
-                        </a:extLst>
-                      </a:blip>
-                      <a:srcRect/>
-                      <a:stretch>
-                        <a:fillRect/>
-                      </a:stretch>
-                    </p:blipFill>
-                    <p:spPr bwMode="auto">
-                      <a:xfrm>
-                        <a:off x="76200" y="1295400"/>
-                        <a:ext cx="3744913" cy="5105400"/>
-                      </a:xfrm>
-                      <a:prstGeom prst="rect">
-                        <a:avLst/>
-                      </a:prstGeom>
-                      <a:noFill/>
-                      <a:ln>
-                        <a:noFill/>
-                      </a:ln>
-                      <a:effectLst/>
-                      <a:extLst>
-                        <a:ext uri="{909E8E84-426E-40DD-AFC4-6F175D3DCCD1}">
-                          <a14:hiddenFill xmlns:a14="http://schemas.microsoft.com/office/drawing/2010/main">
-                            <a:solidFill>
-                              <a:schemeClr val="accent1"/>
-                            </a:solidFill>
-                          </a14:hiddenFill>
-                        </a:ext>
-                        <a:ext uri="{91240B29-F687-4F45-9708-019B960494DF}">
-                          <a14:hiddenLine xmlns:a14="http://schemas.microsoft.com/office/drawing/2010/main" w="9525">
-                            <a:solidFill>
-                              <a:schemeClr val="tx1"/>
-                            </a:solidFill>
-                            <a:miter lim="800000"/>
-                            <a:headEnd/>
-                            <a:tailEnd/>
-                          </a14:hiddenLine>
-                        </a:ext>
-                        <a:ext uri="{AF507438-7753-43E0-B8FC-AC1667EBCBE1}">
-                          <a14:hiddenEffects xmlns:a14="http://schemas.microsoft.com/office/drawing/2010/main">
-                            <a:effectLst>
-                              <a:outerShdw dist="35921" dir="2700000" algn="ctr" rotWithShape="0">
-                                <a:schemeClr val="bg2"/>
-                              </a:outerShdw>
-                            </a:effectLst>
-                          </a14:hiddenEffects>
-                        </a:ext>
-                      </a:extLst>
-                    </p:spPr>
-                  </p:pic>
-                </p:oleObj>
-              </mc:Fallback>
-            </mc:AlternateContent>
+            <p:oleObj spid="_x0000_s48131" name="Bitmap Image" r:id="rId3" imgW="1809524" imgH="2467319" progId="PBrush">
+              <p:embed/>
+            </p:oleObj>
           </a:graphicData>
         </a:graphic>
       </p:graphicFrame>
@@ -25655,82 +25292,9 @@
         </p:xfrm>
         <a:graphic>
           <a:graphicData uri="http://schemas.openxmlformats.org/presentationml/2006/ole">
-            <mc:AlternateContent xmlns:mc="http://schemas.openxmlformats.org/markup-compatibility/2006">
-              <mc:Choice xmlns:v="urn:schemas-microsoft-com:vml" Requires="v">
-                <p:oleObj spid="_x0000_s49155" name="Bitmap Image" r:id="rId3" imgW="1809524" imgH="2467319" progId="PBrush">
-                  <p:embed/>
-                </p:oleObj>
-              </mc:Choice>
-              <mc:Fallback>
-                <p:oleObj name="Bitmap Image" r:id="rId3" imgW="1809524" imgH="2467319" progId="PBrush">
-                  <p:embed/>
-                  <p:pic>
-                    <p:nvPicPr>
-                      <p:cNvPr id="0" name="Picture 2"/>
-                      <p:cNvPicPr>
-                        <a:picLocks noChangeAspect="1" noChangeArrowheads="1"/>
-                      </p:cNvPicPr>
-                      <p:nvPr/>
-                    </p:nvPicPr>
-                    <p:blipFill>
-                      <a:blip r:embed="rId4">
-                        <a:extLst>
-                          <a:ext uri="{28A0092B-C50C-407E-A947-70E740481C1C}">
-                            <a14:useLocalDpi xmlns:a14="http://schemas.microsoft.com/office/drawing/2010/main" val="0"/>
-                          </a:ext>
-                        </a:extLst>
-                      </a:blip>
-                      <a:srcRect/>
-                      <a:stretch>
-                        <a:fillRect/>
-                      </a:stretch>
-                    </p:blipFill>
-                    <p:spPr bwMode="auto">
-                      <a:xfrm>
-                        <a:off x="76200" y="1295400"/>
-                        <a:ext cx="3744913" cy="5105400"/>
-                      </a:xfrm>
-                      <a:prstGeom prst="rect">
-                        <a:avLst/>
-                      </a:prstGeom>
-                      <a:noFill/>
-                      <a:ln>
-                        <a:noFill/>
-                      </a:ln>
-                      <a:effectLst/>
-                      <a:extLst>
-                        <a:ext uri="{909E8E84-426E-40DD-AFC4-6F175D3DCCD1}">
-                          <a14:hiddenFill xmlns:a14="http://schemas.microsoft.com/office/drawing/2010/main">
-                            <a:solidFill>
-                              <a:schemeClr val="accent1"/>
-                            </a:solidFill>
-                          </a14:hiddenFill>
-                        </a:ext>
-                        <a:ext uri="{91240B29-F687-4F45-9708-019B960494DF}">
-                          <a14:hiddenLine xmlns:a14="http://schemas.microsoft.com/office/drawing/2010/main" w="9525">
-                            <a:solidFill>
-                              <a:schemeClr val="tx1"/>
-                            </a:solidFill>
-                            <a:miter lim="800000"/>
-                            <a:headEnd/>
-                            <a:tailEnd/>
-                          </a14:hiddenLine>
-                        </a:ext>
-                        <a:ext uri="{AF507438-7753-43E0-B8FC-AC1667EBCBE1}">
-                          <a14:hiddenEffects xmlns:a14="http://schemas.microsoft.com/office/drawing/2010/main">
-                            <a:effectLst>
-                              <a:outerShdw dist="35921" dir="2700000" algn="ctr" rotWithShape="0">
-                                <a:schemeClr val="bg2"/>
-                              </a:outerShdw>
-                            </a:effectLst>
-                          </a14:hiddenEffects>
-                        </a:ext>
-                      </a:extLst>
-                    </p:spPr>
-                  </p:pic>
-                </p:oleObj>
-              </mc:Fallback>
-            </mc:AlternateContent>
+            <p:oleObj spid="_x0000_s49155" name="Bitmap Image" r:id="rId3" imgW="1809524" imgH="2467319" progId="PBrush">
+              <p:embed/>
+            </p:oleObj>
           </a:graphicData>
         </a:graphic>
       </p:graphicFrame>
@@ -26403,82 +25967,9 @@
         </p:xfrm>
         <a:graphic>
           <a:graphicData uri="http://schemas.openxmlformats.org/presentationml/2006/ole">
-            <mc:AlternateContent xmlns:mc="http://schemas.openxmlformats.org/markup-compatibility/2006">
-              <mc:Choice xmlns:v="urn:schemas-microsoft-com:vml" Requires="v">
-                <p:oleObj spid="_x0000_s50179" name="Bitmap Image" r:id="rId3" imgW="1809524" imgH="2467319" progId="PBrush">
-                  <p:embed/>
-                </p:oleObj>
-              </mc:Choice>
-              <mc:Fallback>
-                <p:oleObj name="Bitmap Image" r:id="rId3" imgW="1809524" imgH="2467319" progId="PBrush">
-                  <p:embed/>
-                  <p:pic>
-                    <p:nvPicPr>
-                      <p:cNvPr id="0" name="Picture 2"/>
-                      <p:cNvPicPr>
-                        <a:picLocks noChangeAspect="1" noChangeArrowheads="1"/>
-                      </p:cNvPicPr>
-                      <p:nvPr/>
-                    </p:nvPicPr>
-                    <p:blipFill>
-                      <a:blip r:embed="rId4">
-                        <a:extLst>
-                          <a:ext uri="{28A0092B-C50C-407E-A947-70E740481C1C}">
-                            <a14:useLocalDpi xmlns:a14="http://schemas.microsoft.com/office/drawing/2010/main" val="0"/>
-                          </a:ext>
-                        </a:extLst>
-                      </a:blip>
-                      <a:srcRect/>
-                      <a:stretch>
-                        <a:fillRect/>
-                      </a:stretch>
-                    </p:blipFill>
-                    <p:spPr bwMode="auto">
-                      <a:xfrm>
-                        <a:off x="0" y="1295400"/>
-                        <a:ext cx="3744913" cy="5105400"/>
-                      </a:xfrm>
-                      <a:prstGeom prst="rect">
-                        <a:avLst/>
-                      </a:prstGeom>
-                      <a:noFill/>
-                      <a:ln>
-                        <a:noFill/>
-                      </a:ln>
-                      <a:effectLst/>
-                      <a:extLst>
-                        <a:ext uri="{909E8E84-426E-40DD-AFC4-6F175D3DCCD1}">
-                          <a14:hiddenFill xmlns:a14="http://schemas.microsoft.com/office/drawing/2010/main">
-                            <a:solidFill>
-                              <a:schemeClr val="accent1"/>
-                            </a:solidFill>
-                          </a14:hiddenFill>
-                        </a:ext>
-                        <a:ext uri="{91240B29-F687-4F45-9708-019B960494DF}">
-                          <a14:hiddenLine xmlns:a14="http://schemas.microsoft.com/office/drawing/2010/main" w="9525">
-                            <a:solidFill>
-                              <a:schemeClr val="tx1"/>
-                            </a:solidFill>
-                            <a:miter lim="800000"/>
-                            <a:headEnd/>
-                            <a:tailEnd/>
-                          </a14:hiddenLine>
-                        </a:ext>
-                        <a:ext uri="{AF507438-7753-43E0-B8FC-AC1667EBCBE1}">
-                          <a14:hiddenEffects xmlns:a14="http://schemas.microsoft.com/office/drawing/2010/main">
-                            <a:effectLst>
-                              <a:outerShdw dist="35921" dir="2700000" algn="ctr" rotWithShape="0">
-                                <a:schemeClr val="bg2"/>
-                              </a:outerShdw>
-                            </a:effectLst>
-                          </a14:hiddenEffects>
-                        </a:ext>
-                      </a:extLst>
-                    </p:spPr>
-                  </p:pic>
-                </p:oleObj>
-              </mc:Fallback>
-            </mc:AlternateContent>
+            <p:oleObj spid="_x0000_s50179" name="Bitmap Image" r:id="rId3" imgW="1809524" imgH="2467319" progId="PBrush">
+              <p:embed/>
+            </p:oleObj>
           </a:graphicData>
         </a:graphic>
       </p:graphicFrame>
@@ -26840,82 +26331,9 @@
         </p:xfrm>
         <a:graphic>
           <a:graphicData uri="http://schemas.openxmlformats.org/presentationml/2006/ole">
-            <mc:AlternateContent xmlns:mc="http://schemas.openxmlformats.org/markup-compatibility/2006">
-              <mc:Choice xmlns:v="urn:schemas-microsoft-com:vml" Requires="v">
-                <p:oleObj spid="_x0000_s70659" name="Bitmap Image" r:id="rId3" imgW="1343212" imgH="4533333" progId="PBrush">
-                  <p:embed/>
-                </p:oleObj>
-              </mc:Choice>
-              <mc:Fallback>
-                <p:oleObj name="Bitmap Image" r:id="rId3" imgW="1343212" imgH="4533333" progId="PBrush">
-                  <p:embed/>
-                  <p:pic>
-                    <p:nvPicPr>
-                      <p:cNvPr id="0" name="Picture 2"/>
-                      <p:cNvPicPr>
-                        <a:picLocks noChangeAspect="1" noChangeArrowheads="1"/>
-                      </p:cNvPicPr>
-                      <p:nvPr/>
-                    </p:nvPicPr>
-                    <p:blipFill>
-                      <a:blip r:embed="rId4">
-                        <a:extLst>
-                          <a:ext uri="{28A0092B-C50C-407E-A947-70E740481C1C}">
-                            <a14:useLocalDpi xmlns:a14="http://schemas.microsoft.com/office/drawing/2010/main" val="0"/>
-                          </a:ext>
-                        </a:extLst>
-                      </a:blip>
-                      <a:srcRect/>
-                      <a:stretch>
-                        <a:fillRect/>
-                      </a:stretch>
-                    </p:blipFill>
-                    <p:spPr bwMode="auto">
-                      <a:xfrm>
-                        <a:off x="2586038" y="490538"/>
-                        <a:ext cx="2600325" cy="5921375"/>
-                      </a:xfrm>
-                      <a:prstGeom prst="rect">
-                        <a:avLst/>
-                      </a:prstGeom>
-                      <a:noFill/>
-                      <a:ln>
-                        <a:noFill/>
-                      </a:ln>
-                      <a:effectLst/>
-                      <a:extLst>
-                        <a:ext uri="{909E8E84-426E-40DD-AFC4-6F175D3DCCD1}">
-                          <a14:hiddenFill xmlns:a14="http://schemas.microsoft.com/office/drawing/2010/main">
-                            <a:solidFill>
-                              <a:schemeClr val="accent1"/>
-                            </a:solidFill>
-                          </a14:hiddenFill>
-                        </a:ext>
-                        <a:ext uri="{91240B29-F687-4F45-9708-019B960494DF}">
-                          <a14:hiddenLine xmlns:a14="http://schemas.microsoft.com/office/drawing/2010/main" w="9525">
-                            <a:solidFill>
-                              <a:schemeClr val="tx1"/>
-                            </a:solidFill>
-                            <a:miter lim="800000"/>
-                            <a:headEnd/>
-                            <a:tailEnd/>
-                          </a14:hiddenLine>
-                        </a:ext>
-                        <a:ext uri="{AF507438-7753-43E0-B8FC-AC1667EBCBE1}">
-                          <a14:hiddenEffects xmlns:a14="http://schemas.microsoft.com/office/drawing/2010/main">
-                            <a:effectLst>
-                              <a:outerShdw dist="35921" dir="2700000" algn="ctr" rotWithShape="0">
-                                <a:schemeClr val="bg2"/>
-                              </a:outerShdw>
-                            </a:effectLst>
-                          </a14:hiddenEffects>
-                        </a:ext>
-                      </a:extLst>
-                    </p:spPr>
-                  </p:pic>
-                </p:oleObj>
-              </mc:Fallback>
-            </mc:AlternateContent>
+            <p:oleObj spid="_x0000_s70659" name="Bitmap Image" r:id="rId3" imgW="1343212" imgH="4533333" progId="PBrush">
+              <p:embed/>
+            </p:oleObj>
           </a:graphicData>
         </a:graphic>
       </p:graphicFrame>
